--- a/auca/sem-1/edrom-8113-study-research/3 Taking notes and writting academic assignment.pptx
+++ b/auca/sem-1/edrom-8113-study-research/3 Taking notes and writting academic assignment.pptx
@@ -3285,14 +3285,14 @@
               <a:buChar char=""/>
             </a:pPr>
             <a:r>
-              <a:rPr lang="en-GB" sz="3200" dirty="0">
+              <a:rPr lang="en-GB" dirty="0">
                 <a:effectLst/>
                 <a:latin typeface="Times New Roman" panose="02020603050405020304" pitchFamily="18" charset="0"/>
                 <a:ea typeface="PMingLiU" panose="02020500000000000000" pitchFamily="18" charset="-120"/>
               </a:rPr>
               <a:t>One of the best study methods for reviewing your work;</a:t>
             </a:r>
-            <a:endParaRPr lang="en-US" sz="3200" dirty="0">
+            <a:endParaRPr lang="en-US" dirty="0">
               <a:effectLst/>
               <a:latin typeface="Times New Roman" panose="02020603050405020304" pitchFamily="18" charset="0"/>
               <a:ea typeface="PMingLiU" panose="02020500000000000000" pitchFamily="18" charset="-120"/>
@@ -3307,14 +3307,14 @@
               <a:buChar char=""/>
             </a:pPr>
             <a:r>
-              <a:rPr lang="en-GB" sz="3200" dirty="0">
+              <a:rPr lang="en-GB" dirty="0">
                 <a:effectLst/>
                 <a:latin typeface="Times New Roman" panose="02020603050405020304" pitchFamily="18" charset="0"/>
                 <a:ea typeface="PMingLiU" panose="02020500000000000000" pitchFamily="18" charset="-120"/>
               </a:rPr>
               <a:t>An improved ability to think and condense;</a:t>
             </a:r>
-            <a:endParaRPr lang="en-US" sz="3200" dirty="0">
+            <a:endParaRPr lang="en-US" dirty="0">
               <a:effectLst/>
               <a:latin typeface="Times New Roman" panose="02020603050405020304" pitchFamily="18" charset="0"/>
               <a:ea typeface="PMingLiU" panose="02020500000000000000" pitchFamily="18" charset="-120"/>
@@ -3329,14 +3329,14 @@
               <a:buChar char=""/>
             </a:pPr>
             <a:r>
-              <a:rPr lang="en-GB" sz="3200" dirty="0">
+              <a:rPr lang="en-GB" dirty="0">
                 <a:effectLst/>
                 <a:latin typeface="Times New Roman" panose="02020603050405020304" pitchFamily="18" charset="0"/>
                 <a:ea typeface="PMingLiU" panose="02020500000000000000" pitchFamily="18" charset="-120"/>
               </a:rPr>
               <a:t>An aid to recalling the essentials of your work;</a:t>
             </a:r>
-            <a:endParaRPr lang="en-US" sz="3200" dirty="0">
+            <a:endParaRPr lang="en-US" dirty="0">
               <a:effectLst/>
               <a:latin typeface="Times New Roman" panose="02020603050405020304" pitchFamily="18" charset="0"/>
               <a:ea typeface="PMingLiU" panose="02020500000000000000" pitchFamily="18" charset="-120"/>
@@ -3351,14 +3351,14 @@
               <a:buChar char=""/>
             </a:pPr>
             <a:r>
-              <a:rPr lang="en-GB" sz="3200" dirty="0">
+              <a:rPr lang="en-GB" dirty="0">
                 <a:effectLst/>
                 <a:latin typeface="Times New Roman" panose="02020603050405020304" pitchFamily="18" charset="0"/>
                 <a:ea typeface="PMingLiU" panose="02020500000000000000" pitchFamily="18" charset="-120"/>
               </a:rPr>
               <a:t>The skill to judge quickly between main points and contributing items;</a:t>
             </a:r>
-            <a:endParaRPr lang="en-US" sz="3200" dirty="0">
+            <a:endParaRPr lang="en-US" dirty="0">
               <a:effectLst/>
               <a:latin typeface="Times New Roman" panose="02020603050405020304" pitchFamily="18" charset="0"/>
               <a:ea typeface="PMingLiU" panose="02020500000000000000" pitchFamily="18" charset="-120"/>
@@ -3376,14 +3376,14 @@
               <a:buChar char=""/>
             </a:pPr>
             <a:r>
-              <a:rPr lang="en-GB" sz="3200" dirty="0">
+              <a:rPr lang="en-GB" dirty="0">
                 <a:effectLst/>
                 <a:latin typeface="Times New Roman" panose="02020603050405020304" pitchFamily="18" charset="0"/>
                 <a:ea typeface="PMingLiU" panose="02020500000000000000" pitchFamily="18" charset="-120"/>
               </a:rPr>
               <a:t>The ability to organize and write smoother, more unified, and more complete answers on tests and examinations. </a:t>
             </a:r>
-            <a:endParaRPr lang="en-US" sz="3200" dirty="0">
+            <a:endParaRPr lang="en-GB" dirty="0">
               <a:effectLst/>
               <a:latin typeface="Times New Roman" panose="02020603050405020304" pitchFamily="18" charset="0"/>
               <a:ea typeface="PMingLiU" panose="02020500000000000000" pitchFamily="18" charset="-120"/>
@@ -3842,67 +3842,67 @@
           <a:lstStyle/>
           <a:p>
             <a:r>
-              <a:rPr lang="en-US" sz="2400" dirty="0">
+              <a:rPr lang="en-US" sz="2000" dirty="0">
                 <a:effectLst/>
                 <a:latin typeface="Times New Roman" panose="02020603050405020304" pitchFamily="18" charset="0"/>
                 <a:ea typeface="PMingLiU" panose="02020500000000000000" pitchFamily="18" charset="-120"/>
               </a:rPr>
               <a:t>The memory does not only depend on understanding the information. </a:t>
             </a:r>
-            <a:endParaRPr lang="en-US" sz="2400" dirty="0">
-              <a:effectLst/>
-              <a:latin typeface="Times New Roman" panose="02020603050405020304" pitchFamily="18" charset="0"/>
-              <a:ea typeface="PMingLiU" panose="02020500000000000000" pitchFamily="18" charset="-120"/>
-            </a:endParaRPr>
-          </a:p>
-          <a:p>
-            <a:r>
-              <a:rPr lang="en-US" sz="2400" dirty="0">
+            <a:endParaRPr lang="en-US" sz="2000" dirty="0">
+              <a:effectLst/>
+              <a:latin typeface="Times New Roman" panose="02020603050405020304" pitchFamily="18" charset="0"/>
+              <a:ea typeface="PMingLiU" panose="02020500000000000000" pitchFamily="18" charset="-120"/>
+            </a:endParaRPr>
+          </a:p>
+          <a:p>
+            <a:r>
+              <a:rPr lang="en-US" sz="2000" dirty="0">
                 <a:effectLst/>
                 <a:latin typeface="Times New Roman" panose="02020603050405020304" pitchFamily="18" charset="0"/>
                 <a:ea typeface="PMingLiU" panose="02020500000000000000" pitchFamily="18" charset="-120"/>
               </a:rPr>
               <a:t>It is also and primarily influenced by the frequency with which a student reviews the lessons learned and by the time that passes between the class session and the time of reviewing the notes</a:t>
             </a:r>
-            <a:endParaRPr lang="en-US" sz="2400" dirty="0">
-              <a:effectLst/>
-              <a:latin typeface="Times New Roman" panose="02020603050405020304" pitchFamily="18" charset="0"/>
-              <a:ea typeface="PMingLiU" panose="02020500000000000000" pitchFamily="18" charset="-120"/>
-            </a:endParaRPr>
-          </a:p>
-          <a:p>
-            <a:r>
-              <a:rPr lang="en-US" sz="2400" dirty="0">
+            <a:endParaRPr lang="en-US" sz="2000" dirty="0">
+              <a:effectLst/>
+              <a:latin typeface="Times New Roman" panose="02020603050405020304" pitchFamily="18" charset="0"/>
+              <a:ea typeface="PMingLiU" panose="02020500000000000000" pitchFamily="18" charset="-120"/>
+            </a:endParaRPr>
+          </a:p>
+          <a:p>
+            <a:r>
+              <a:rPr lang="en-US" sz="2000" dirty="0">
                 <a:effectLst/>
                 <a:latin typeface="Times New Roman" panose="02020603050405020304" pitchFamily="18" charset="0"/>
                 <a:ea typeface="PMingLiU" panose="02020500000000000000" pitchFamily="18" charset="-120"/>
               </a:rPr>
               <a:t>In fact it is obvious that 50% of the material is forgotten during the following thirty minutes after the class even if you took notes during your course session</a:t>
             </a:r>
-            <a:endParaRPr lang="en-US" sz="2400" dirty="0">
-              <a:effectLst/>
-              <a:latin typeface="Times New Roman" panose="02020603050405020304" pitchFamily="18" charset="0"/>
-              <a:ea typeface="PMingLiU" panose="02020500000000000000" pitchFamily="18" charset="-120"/>
-            </a:endParaRPr>
-          </a:p>
-          <a:p>
-            <a:r>
-              <a:rPr lang="en-US" sz="2400" dirty="0">
+            <a:endParaRPr lang="en-US" sz="2000" dirty="0">
+              <a:effectLst/>
+              <a:latin typeface="Times New Roman" panose="02020603050405020304" pitchFamily="18" charset="0"/>
+              <a:ea typeface="PMingLiU" panose="02020500000000000000" pitchFamily="18" charset="-120"/>
+            </a:endParaRPr>
+          </a:p>
+          <a:p>
+            <a:r>
+              <a:rPr lang="en-US" sz="2000" dirty="0">
                 <a:effectLst/>
                 <a:latin typeface="Times New Roman" panose="02020603050405020304" pitchFamily="18" charset="0"/>
                 <a:ea typeface="PMingLiU" panose="02020500000000000000" pitchFamily="18" charset="-120"/>
               </a:rPr>
               <a:t>Obviously you cannot always review your notes immediately after leaving the course. This can be done in the same day or in the evening at the latest because it is during this first day that a student forgets the biggest amount of information.</a:t>
             </a:r>
-            <a:endParaRPr lang="en-US" sz="2400" dirty="0">
-              <a:effectLst/>
-              <a:latin typeface="Times New Roman" panose="02020603050405020304" pitchFamily="18" charset="0"/>
-              <a:ea typeface="PMingLiU" panose="02020500000000000000" pitchFamily="18" charset="-120"/>
-            </a:endParaRPr>
-          </a:p>
-          <a:p>
-            <a:r>
-              <a:rPr lang="en-US" sz="2400" dirty="0">
+            <a:endParaRPr lang="en-US" sz="2000" dirty="0">
+              <a:effectLst/>
+              <a:latin typeface="Times New Roman" panose="02020603050405020304" pitchFamily="18" charset="0"/>
+              <a:ea typeface="PMingLiU" panose="02020500000000000000" pitchFamily="18" charset="-120"/>
+            </a:endParaRPr>
+          </a:p>
+          <a:p>
+            <a:r>
+              <a:rPr lang="en-US" sz="2000" dirty="0">
                 <a:effectLst/>
                 <a:latin typeface="Times New Roman" panose="02020603050405020304" pitchFamily="18" charset="0"/>
                 <a:ea typeface="PMingLiU" panose="02020500000000000000" pitchFamily="18" charset="-120"/>
@@ -3910,12 +3910,14 @@
               <a:t>Note that if you have a course that ends late at night and you're tired, the revision can wait until tomorrow evening</a:t>
             </a:r>
             <a:r>
-              <a:rPr lang="en-US" sz="2400" dirty="0">
+              <a:rPr lang="en-US" sz="2000" dirty="0">
                 <a:effectLst/>
               </a:rPr>
               <a:t> </a:t>
             </a:r>
-            <a:endParaRPr lang="en-US" sz="2400" dirty="0"/>
+            <a:endParaRPr lang="en-US" sz="2000" dirty="0">
+              <a:effectLst/>
+            </a:endParaRPr>
           </a:p>
         </p:txBody>
       </p:sp>
@@ -5325,8 +5327,9 @@
           </a:bodyPr>
           <a:lstStyle/>
           <a:p>
-            <a:r>
-              <a:rPr lang="en-US" sz="3600" dirty="0">
+            <a:pPr algn="ctr"/>
+            <a:r>
+              <a:rPr lang="en-US" sz="3600" b="1" dirty="0">
                 <a:effectLst/>
                 <a:latin typeface="Times New Roman" panose="02020603050405020304" pitchFamily="18" charset="0"/>
                 <a:ea typeface="Times New Roman" panose="02020603050405020304" pitchFamily="18" charset="0"/>
@@ -5334,12 +5337,12 @@
               <a:t>Indeed, there are the special moments for the study to be efficient:</a:t>
             </a:r>
             <a:r>
-              <a:rPr lang="en-US" sz="3600" dirty="0">
+              <a:rPr lang="en-US" sz="3600" b="1" dirty="0">
                 <a:effectLst/>
               </a:rPr>
               <a:t> </a:t>
             </a:r>
-            <a:endParaRPr lang="en-US" sz="3600" dirty="0"/>
+            <a:endParaRPr lang="en-US" sz="3600" b="1" dirty="0"/>
           </a:p>
         </p:txBody>
       </p:sp>
